--- a/Documentation/YARN Introduction.pptx
+++ b/Documentation/YARN Introduction.pptx
@@ -5,7 +5,7 @@
     <p:sldMasterId id="2147483660" r:id="rId1"/>
   </p:sldMasterIdLst>
   <p:notesMasterIdLst>
-    <p:notesMasterId r:id="rId27"/>
+    <p:notesMasterId r:id="rId30"/>
   </p:notesMasterIdLst>
   <p:sldIdLst>
     <p:sldId id="256" r:id="rId2"/>
@@ -32,7 +32,10 @@
     <p:sldId id="277" r:id="rId23"/>
     <p:sldId id="280" r:id="rId24"/>
     <p:sldId id="281" r:id="rId25"/>
-    <p:sldId id="259" r:id="rId26"/>
+    <p:sldId id="285" r:id="rId26"/>
+    <p:sldId id="287" r:id="rId27"/>
+    <p:sldId id="286" r:id="rId28"/>
+    <p:sldId id="259" r:id="rId29"/>
   </p:sldIdLst>
   <p:sldSz cx="12192000" cy="6858000"/>
   <p:notesSz cx="6858000" cy="9144000"/>
@@ -221,7 +224,7 @@
           <a:p>
             <a:fld id="{AC287296-3506-4D5A-9D89-EE67DD142481}" type="datetimeFigureOut">
               <a:rPr lang="en-US" smtClean="0"/>
-              <a:t>4/1/2018</a:t>
+              <a:t>4/5/2018</a:t>
             </a:fld>
             <a:endParaRPr lang="en-US"/>
           </a:p>
@@ -1879,7 +1882,7 @@
           <a:p>
             <a:fld id="{19F959C6-E8B2-4D26-BD99-BAC2171A788C}" type="datetimeFigureOut">
               <a:rPr lang="en-US" smtClean="0"/>
-              <a:t>4/1/2018</a:t>
+              <a:t>4/5/2018</a:t>
             </a:fld>
             <a:endParaRPr lang="en-US"/>
           </a:p>
@@ -2049,7 +2052,7 @@
           <a:p>
             <a:fld id="{19F959C6-E8B2-4D26-BD99-BAC2171A788C}" type="datetimeFigureOut">
               <a:rPr lang="en-US" smtClean="0"/>
-              <a:t>4/1/2018</a:t>
+              <a:t>4/5/2018</a:t>
             </a:fld>
             <a:endParaRPr lang="en-US"/>
           </a:p>
@@ -2229,7 +2232,7 @@
           <a:p>
             <a:fld id="{19F959C6-E8B2-4D26-BD99-BAC2171A788C}" type="datetimeFigureOut">
               <a:rPr lang="en-US" smtClean="0"/>
-              <a:t>4/1/2018</a:t>
+              <a:t>4/5/2018</a:t>
             </a:fld>
             <a:endParaRPr lang="en-US"/>
           </a:p>
@@ -2399,7 +2402,7 @@
           <a:p>
             <a:fld id="{19F959C6-E8B2-4D26-BD99-BAC2171A788C}" type="datetimeFigureOut">
               <a:rPr lang="en-US" smtClean="0"/>
-              <a:t>4/1/2018</a:t>
+              <a:t>4/5/2018</a:t>
             </a:fld>
             <a:endParaRPr lang="en-US"/>
           </a:p>
@@ -2645,7 +2648,7 @@
           <a:p>
             <a:fld id="{19F959C6-E8B2-4D26-BD99-BAC2171A788C}" type="datetimeFigureOut">
               <a:rPr lang="en-US" smtClean="0"/>
-              <a:t>4/1/2018</a:t>
+              <a:t>4/5/2018</a:t>
             </a:fld>
             <a:endParaRPr lang="en-US"/>
           </a:p>
@@ -2877,7 +2880,7 @@
           <a:p>
             <a:fld id="{19F959C6-E8B2-4D26-BD99-BAC2171A788C}" type="datetimeFigureOut">
               <a:rPr lang="en-US" smtClean="0"/>
-              <a:t>4/1/2018</a:t>
+              <a:t>4/5/2018</a:t>
             </a:fld>
             <a:endParaRPr lang="en-US"/>
           </a:p>
@@ -3244,7 +3247,7 @@
           <a:p>
             <a:fld id="{19F959C6-E8B2-4D26-BD99-BAC2171A788C}" type="datetimeFigureOut">
               <a:rPr lang="en-US" smtClean="0"/>
-              <a:t>4/1/2018</a:t>
+              <a:t>4/5/2018</a:t>
             </a:fld>
             <a:endParaRPr lang="en-US"/>
           </a:p>
@@ -3362,7 +3365,7 @@
           <a:p>
             <a:fld id="{19F959C6-E8B2-4D26-BD99-BAC2171A788C}" type="datetimeFigureOut">
               <a:rPr lang="en-US" smtClean="0"/>
-              <a:t>4/1/2018</a:t>
+              <a:t>4/5/2018</a:t>
             </a:fld>
             <a:endParaRPr lang="en-US"/>
           </a:p>
@@ -3457,7 +3460,7 @@
           <a:p>
             <a:fld id="{19F959C6-E8B2-4D26-BD99-BAC2171A788C}" type="datetimeFigureOut">
               <a:rPr lang="en-US" smtClean="0"/>
-              <a:t>4/1/2018</a:t>
+              <a:t>4/5/2018</a:t>
             </a:fld>
             <a:endParaRPr lang="en-US"/>
           </a:p>
@@ -3734,7 +3737,7 @@
           <a:p>
             <a:fld id="{19F959C6-E8B2-4D26-BD99-BAC2171A788C}" type="datetimeFigureOut">
               <a:rPr lang="en-US" smtClean="0"/>
-              <a:t>4/1/2018</a:t>
+              <a:t>4/5/2018</a:t>
             </a:fld>
             <a:endParaRPr lang="en-US"/>
           </a:p>
@@ -3991,7 +3994,7 @@
           <a:p>
             <a:fld id="{19F959C6-E8B2-4D26-BD99-BAC2171A788C}" type="datetimeFigureOut">
               <a:rPr lang="en-US" smtClean="0"/>
-              <a:t>4/1/2018</a:t>
+              <a:t>4/5/2018</a:t>
             </a:fld>
             <a:endParaRPr lang="en-US"/>
           </a:p>
@@ -4204,7 +4207,7 @@
           <a:p>
             <a:fld id="{19F959C6-E8B2-4D26-BD99-BAC2171A788C}" type="datetimeFigureOut">
               <a:rPr lang="en-US" smtClean="0"/>
-              <a:t>4/1/2018</a:t>
+              <a:t>4/5/2018</a:t>
             </a:fld>
             <a:endParaRPr lang="en-US"/>
           </a:p>
@@ -25027,6 +25030,760 @@
 </file>
 
 <file path=ppt/slides/slide25.xml><?xml version="1.0" encoding="utf-8"?>
+<p:sld xmlns:a="http://schemas.openxmlformats.org/drawingml/2006/main" xmlns:r="http://schemas.openxmlformats.org/officeDocument/2006/relationships" xmlns:p="http://schemas.openxmlformats.org/presentationml/2006/main">
+  <p:cSld>
+    <p:spTree>
+      <p:nvGrpSpPr>
+        <p:cNvPr id="1" name=""/>
+        <p:cNvGrpSpPr/>
+        <p:nvPr/>
+      </p:nvGrpSpPr>
+      <p:grpSpPr>
+        <a:xfrm>
+          <a:off x="0" y="0"/>
+          <a:ext cx="0" cy="0"/>
+          <a:chOff x="0" y="0"/>
+          <a:chExt cx="0" cy="0"/>
+        </a:xfrm>
+      </p:grpSpPr>
+      <p:sp>
+        <p:nvSpPr>
+          <p:cNvPr id="4" name="Title 3"/>
+          <p:cNvSpPr>
+            <a:spLocks noGrp="1"/>
+          </p:cNvSpPr>
+          <p:nvPr>
+            <p:ph type="title"/>
+          </p:nvPr>
+        </p:nvSpPr>
+        <p:spPr/>
+        <p:txBody>
+          <a:bodyPr/>
+          <a:lstStyle/>
+          <a:p>
+            <a:r>
+              <a:rPr lang="en-US" dirty="0" smtClean="0">
+                <a:latin typeface="Comic Sans MS" panose="030F0702030302020204" pitchFamily="66" charset="0"/>
+              </a:rPr>
+              <a:t>Comparison</a:t>
+            </a:r>
+            <a:endParaRPr lang="en-US" dirty="0">
+              <a:latin typeface="Comic Sans MS" panose="030F0702030302020204" pitchFamily="66" charset="0"/>
+            </a:endParaRPr>
+          </a:p>
+        </p:txBody>
+      </p:sp>
+      <p:sp>
+        <p:nvSpPr>
+          <p:cNvPr id="5" name="Text Placeholder 4"/>
+          <p:cNvSpPr>
+            <a:spLocks noGrp="1"/>
+          </p:cNvSpPr>
+          <p:nvPr>
+            <p:ph type="body" idx="1"/>
+          </p:nvPr>
+        </p:nvSpPr>
+        <p:spPr/>
+        <p:txBody>
+          <a:bodyPr/>
+          <a:lstStyle/>
+          <a:p>
+            <a:endParaRPr lang="en-US"/>
+          </a:p>
+        </p:txBody>
+      </p:sp>
+    </p:spTree>
+    <p:extLst>
+      <p:ext uri="{BB962C8B-B14F-4D97-AF65-F5344CB8AC3E}">
+        <p14:creationId xmlns:p14="http://schemas.microsoft.com/office/powerpoint/2010/main" val="543452631"/>
+      </p:ext>
+    </p:extLst>
+  </p:cSld>
+  <p:clrMapOvr>
+    <a:masterClrMapping/>
+  </p:clrMapOvr>
+</p:sld>
+</file>
+
+<file path=ppt/slides/slide26.xml><?xml version="1.0" encoding="utf-8"?>
+<p:sld xmlns:a="http://schemas.openxmlformats.org/drawingml/2006/main" xmlns:r="http://schemas.openxmlformats.org/officeDocument/2006/relationships" xmlns:p="http://schemas.openxmlformats.org/presentationml/2006/main">
+  <p:cSld>
+    <p:spTree>
+      <p:nvGrpSpPr>
+        <p:cNvPr id="1" name=""/>
+        <p:cNvGrpSpPr/>
+        <p:nvPr/>
+      </p:nvGrpSpPr>
+      <p:grpSpPr>
+        <a:xfrm>
+          <a:off x="0" y="0"/>
+          <a:ext cx="0" cy="0"/>
+          <a:chOff x="0" y="0"/>
+          <a:chExt cx="0" cy="0"/>
+        </a:xfrm>
+      </p:grpSpPr>
+      <p:sp>
+        <p:nvSpPr>
+          <p:cNvPr id="4" name="Title 3"/>
+          <p:cNvSpPr>
+            <a:spLocks noGrp="1"/>
+          </p:cNvSpPr>
+          <p:nvPr>
+            <p:ph type="title"/>
+          </p:nvPr>
+        </p:nvSpPr>
+        <p:spPr/>
+        <p:txBody>
+          <a:bodyPr/>
+          <a:lstStyle/>
+          <a:p>
+            <a:r>
+              <a:rPr lang="en-US" dirty="0" smtClean="0">
+                <a:latin typeface="Comic Sans MS" panose="030F0702030302020204" pitchFamily="66" charset="0"/>
+              </a:rPr>
+              <a:t>YARN vs </a:t>
+            </a:r>
+            <a:r>
+              <a:rPr lang="en-US" dirty="0" err="1" smtClean="0">
+                <a:latin typeface="Comic Sans MS" panose="030F0702030302020204" pitchFamily="66" charset="0"/>
+              </a:rPr>
+              <a:t>Mesos</a:t>
+            </a:r>
+            <a:endParaRPr lang="en-US" dirty="0">
+              <a:latin typeface="Comic Sans MS" panose="030F0702030302020204" pitchFamily="66" charset="0"/>
+            </a:endParaRPr>
+          </a:p>
+        </p:txBody>
+      </p:sp>
+      <p:sp>
+        <p:nvSpPr>
+          <p:cNvPr id="5" name="Content Placeholder 4"/>
+          <p:cNvSpPr>
+            <a:spLocks noGrp="1"/>
+          </p:cNvSpPr>
+          <p:nvPr>
+            <p:ph idx="1"/>
+          </p:nvPr>
+        </p:nvSpPr>
+        <p:spPr/>
+        <p:txBody>
+          <a:bodyPr>
+            <a:normAutofit/>
+          </a:bodyPr>
+          <a:lstStyle/>
+          <a:p>
+            <a:r>
+              <a:rPr lang="en-US" dirty="0" smtClean="0">
+                <a:latin typeface="Comic Sans MS" panose="030F0702030302020204" pitchFamily="66" charset="0"/>
+              </a:rPr>
+              <a:t>Both used to share resources in cluster</a:t>
+            </a:r>
+          </a:p>
+          <a:p>
+            <a:endParaRPr lang="en-US" dirty="0" smtClean="0">
+              <a:latin typeface="Comic Sans MS" panose="030F0702030302020204" pitchFamily="66" charset="0"/>
+            </a:endParaRPr>
+          </a:p>
+          <a:p>
+            <a:r>
+              <a:rPr lang="en-US" altLang="zh-CN" dirty="0" smtClean="0">
+                <a:latin typeface="Comic Sans MS" panose="030F0702030302020204" pitchFamily="66" charset="0"/>
+              </a:rPr>
+              <a:t>Different purposes:</a:t>
+            </a:r>
+          </a:p>
+          <a:p>
+            <a:pPr marL="0" indent="0">
+              <a:buNone/>
+            </a:pPr>
+            <a:r>
+              <a:rPr lang="en-US" altLang="zh-CN" dirty="0" smtClean="0">
+                <a:latin typeface="Comic Sans MS" panose="030F0702030302020204" pitchFamily="66" charset="0"/>
+              </a:rPr>
+              <a:t>YARN is designed to manage Hadoop application’s resources </a:t>
+            </a:r>
+          </a:p>
+          <a:p>
+            <a:pPr marL="0" indent="0">
+              <a:buNone/>
+            </a:pPr>
+            <a:r>
+              <a:rPr lang="en-US" altLang="zh-CN" dirty="0" err="1" smtClean="0">
+                <a:latin typeface="Comic Sans MS" panose="030F0702030302020204" pitchFamily="66" charset="0"/>
+              </a:rPr>
+              <a:t>Mesos</a:t>
+            </a:r>
+            <a:r>
+              <a:rPr lang="en-US" altLang="zh-CN" dirty="0" smtClean="0">
+                <a:latin typeface="Comic Sans MS" panose="030F0702030302020204" pitchFamily="66" charset="0"/>
+              </a:rPr>
+              <a:t> is designed to manage entire data center’s resources</a:t>
+            </a:r>
+          </a:p>
+          <a:p>
+            <a:endParaRPr lang="en-US" dirty="0">
+              <a:latin typeface="Comic Sans MS" panose="030F0702030302020204" pitchFamily="66" charset="0"/>
+            </a:endParaRPr>
+          </a:p>
+          <a:p>
+            <a:pPr marL="0" indent="0">
+              <a:buNone/>
+            </a:pPr>
+            <a:endParaRPr lang="en-US" altLang="zh-CN" dirty="0" smtClean="0">
+              <a:latin typeface="Comic Sans MS" panose="030F0702030302020204" pitchFamily="66" charset="0"/>
+            </a:endParaRPr>
+          </a:p>
+          <a:p>
+            <a:endParaRPr lang="en-US" dirty="0">
+              <a:latin typeface="Comic Sans MS" panose="030F0702030302020204" pitchFamily="66" charset="0"/>
+            </a:endParaRPr>
+          </a:p>
+        </p:txBody>
+      </p:sp>
+    </p:spTree>
+    <p:extLst>
+      <p:ext uri="{BB962C8B-B14F-4D97-AF65-F5344CB8AC3E}">
+        <p14:creationId xmlns:p14="http://schemas.microsoft.com/office/powerpoint/2010/main" val="1995841438"/>
+      </p:ext>
+    </p:extLst>
+  </p:cSld>
+  <p:clrMapOvr>
+    <a:masterClrMapping/>
+  </p:clrMapOvr>
+</p:sld>
+</file>
+
+<file path=ppt/slides/slide27.xml><?xml version="1.0" encoding="utf-8"?>
+<p:sld xmlns:a="http://schemas.openxmlformats.org/drawingml/2006/main" xmlns:r="http://schemas.openxmlformats.org/officeDocument/2006/relationships" xmlns:p="http://schemas.openxmlformats.org/presentationml/2006/main">
+  <p:cSld>
+    <p:spTree>
+      <p:nvGrpSpPr>
+        <p:cNvPr id="1" name=""/>
+        <p:cNvGrpSpPr/>
+        <p:nvPr/>
+      </p:nvGrpSpPr>
+      <p:grpSpPr>
+        <a:xfrm>
+          <a:off x="0" y="0"/>
+          <a:ext cx="0" cy="0"/>
+          <a:chOff x="0" y="0"/>
+          <a:chExt cx="0" cy="0"/>
+        </a:xfrm>
+      </p:grpSpPr>
+      <p:sp>
+        <p:nvSpPr>
+          <p:cNvPr id="4" name="Title 3"/>
+          <p:cNvSpPr>
+            <a:spLocks noGrp="1"/>
+          </p:cNvSpPr>
+          <p:nvPr>
+            <p:ph type="title"/>
+          </p:nvPr>
+        </p:nvSpPr>
+        <p:spPr/>
+        <p:txBody>
+          <a:bodyPr/>
+          <a:lstStyle/>
+          <a:p>
+            <a:r>
+              <a:rPr lang="en-US" dirty="0" smtClean="0">
+                <a:latin typeface="Comic Sans MS" panose="030F0702030302020204" pitchFamily="66" charset="0"/>
+              </a:rPr>
+              <a:t>YARN vs </a:t>
+            </a:r>
+            <a:r>
+              <a:rPr lang="en-US" dirty="0" err="1" smtClean="0">
+                <a:latin typeface="Comic Sans MS" panose="030F0702030302020204" pitchFamily="66" charset="0"/>
+              </a:rPr>
+              <a:t>Mesos</a:t>
+            </a:r>
+            <a:endParaRPr lang="en-US" dirty="0">
+              <a:latin typeface="Comic Sans MS" panose="030F0702030302020204" pitchFamily="66" charset="0"/>
+            </a:endParaRPr>
+          </a:p>
+        </p:txBody>
+      </p:sp>
+      <p:sp>
+        <p:nvSpPr>
+          <p:cNvPr id="6" name="Content Placeholder 5"/>
+          <p:cNvSpPr>
+            <a:spLocks noGrp="1"/>
+          </p:cNvSpPr>
+          <p:nvPr>
+            <p:ph sz="half" idx="1"/>
+          </p:nvPr>
+        </p:nvSpPr>
+        <p:spPr>
+          <a:xfrm>
+            <a:off x="2506980" y="1825625"/>
+            <a:ext cx="3910445" cy="1230083"/>
+          </a:xfrm>
+        </p:spPr>
+        <p:txBody>
+          <a:bodyPr/>
+          <a:lstStyle/>
+          <a:p>
+            <a:r>
+              <a:rPr lang="en-US" altLang="zh-CN" dirty="0" smtClean="0">
+                <a:latin typeface="Comic Sans MS" panose="030F0702030302020204" pitchFamily="66" charset="0"/>
+              </a:rPr>
+              <a:t>YARN</a:t>
+            </a:r>
+            <a:endParaRPr lang="en-US" altLang="zh-CN" sz="2000" dirty="0" smtClean="0">
+              <a:latin typeface="Comic Sans MS" panose="030F0702030302020204" pitchFamily="66" charset="0"/>
+            </a:endParaRPr>
+          </a:p>
+          <a:p>
+            <a:pPr marL="0" indent="0">
+              <a:buNone/>
+            </a:pPr>
+            <a:r>
+              <a:rPr lang="en-US" altLang="zh-CN" sz="2000" dirty="0" smtClean="0">
+                <a:latin typeface="Comic Sans MS" panose="030F0702030302020204" pitchFamily="66" charset="0"/>
+              </a:rPr>
+              <a:t>Java</a:t>
+            </a:r>
+          </a:p>
+          <a:p>
+            <a:pPr marL="0" indent="0">
+              <a:buNone/>
+            </a:pPr>
+            <a:endParaRPr lang="en-US" altLang="zh-CN" sz="2000" dirty="0">
+              <a:latin typeface="Comic Sans MS" panose="030F0702030302020204" pitchFamily="66" charset="0"/>
+            </a:endParaRPr>
+          </a:p>
+          <a:p>
+            <a:pPr marL="0" indent="0">
+              <a:buNone/>
+            </a:pPr>
+            <a:endParaRPr lang="en-US" altLang="zh-CN" sz="2000" dirty="0" smtClean="0">
+              <a:latin typeface="Comic Sans MS" panose="030F0702030302020204" pitchFamily="66" charset="0"/>
+            </a:endParaRPr>
+          </a:p>
+        </p:txBody>
+      </p:sp>
+      <p:sp>
+        <p:nvSpPr>
+          <p:cNvPr id="7" name="Content Placeholder 6"/>
+          <p:cNvSpPr>
+            <a:spLocks noGrp="1"/>
+          </p:cNvSpPr>
+          <p:nvPr>
+            <p:ph sz="half" idx="2"/>
+          </p:nvPr>
+        </p:nvSpPr>
+        <p:spPr>
+          <a:xfrm>
+            <a:off x="6762404" y="1825625"/>
+            <a:ext cx="5181600" cy="1230083"/>
+          </a:xfrm>
+        </p:spPr>
+        <p:txBody>
+          <a:bodyPr/>
+          <a:lstStyle/>
+          <a:p>
+            <a:r>
+              <a:rPr lang="en-US" dirty="0" err="1" smtClean="0">
+                <a:latin typeface="Comic Sans MS" panose="030F0702030302020204" pitchFamily="66" charset="0"/>
+              </a:rPr>
+              <a:t>Mesos</a:t>
+            </a:r>
+            <a:endParaRPr lang="en-US" dirty="0" smtClean="0">
+              <a:latin typeface="Comic Sans MS" panose="030F0702030302020204" pitchFamily="66" charset="0"/>
+            </a:endParaRPr>
+          </a:p>
+          <a:p>
+            <a:pPr marL="0" indent="0">
+              <a:buNone/>
+            </a:pPr>
+            <a:r>
+              <a:rPr lang="en-US" sz="2000" dirty="0" smtClean="0">
+                <a:latin typeface="Comic Sans MS" panose="030F0702030302020204" pitchFamily="66" charset="0"/>
+              </a:rPr>
+              <a:t>C++</a:t>
+            </a:r>
+          </a:p>
+          <a:p>
+            <a:pPr marL="0" indent="0">
+              <a:buNone/>
+            </a:pPr>
+            <a:endParaRPr lang="en-US" sz="2000" dirty="0">
+              <a:latin typeface="Comic Sans MS" panose="030F0702030302020204" pitchFamily="66" charset="0"/>
+            </a:endParaRPr>
+          </a:p>
+          <a:p>
+            <a:pPr marL="0" indent="0">
+              <a:buNone/>
+            </a:pPr>
+            <a:endParaRPr lang="en-US" sz="2000" dirty="0" smtClean="0">
+              <a:latin typeface="Comic Sans MS" panose="030F0702030302020204" pitchFamily="66" charset="0"/>
+            </a:endParaRPr>
+          </a:p>
+        </p:txBody>
+      </p:sp>
+      <p:sp>
+        <p:nvSpPr>
+          <p:cNvPr id="8" name="TextBox 7"/>
+          <p:cNvSpPr txBox="1"/>
+          <p:nvPr/>
+        </p:nvSpPr>
+        <p:spPr>
+          <a:xfrm>
+            <a:off x="590205" y="2294313"/>
+            <a:ext cx="1620980" cy="400110"/>
+          </a:xfrm>
+          <a:prstGeom prst="rect">
+            <a:avLst/>
+          </a:prstGeom>
+          <a:noFill/>
+        </p:spPr>
+        <p:txBody>
+          <a:bodyPr wrap="square" rtlCol="0">
+            <a:spAutoFit/>
+          </a:bodyPr>
+          <a:lstStyle/>
+          <a:p>
+            <a:r>
+              <a:rPr lang="en-US" sz="2000" dirty="0" smtClean="0">
+                <a:latin typeface="Comic Sans MS" panose="030F0702030302020204" pitchFamily="66" charset="0"/>
+              </a:rPr>
+              <a:t>Language</a:t>
+            </a:r>
+          </a:p>
+        </p:txBody>
+      </p:sp>
+      <p:sp>
+        <p:nvSpPr>
+          <p:cNvPr id="9" name="TextBox 8"/>
+          <p:cNvSpPr txBox="1"/>
+          <p:nvPr/>
+        </p:nvSpPr>
+        <p:spPr>
+          <a:xfrm>
+            <a:off x="590205" y="3219268"/>
+            <a:ext cx="1522615" cy="369332"/>
+          </a:xfrm>
+          <a:prstGeom prst="rect">
+            <a:avLst/>
+          </a:prstGeom>
+          <a:noFill/>
+        </p:spPr>
+        <p:txBody>
+          <a:bodyPr wrap="square" rtlCol="0">
+            <a:spAutoFit/>
+          </a:bodyPr>
+          <a:lstStyle/>
+          <a:p>
+            <a:r>
+              <a:rPr lang="en-US">
+                <a:latin typeface="Comic Sans MS" panose="030F0702030302020204" pitchFamily="66" charset="0"/>
+              </a:rPr>
+              <a:t>Scheduler</a:t>
+            </a:r>
+            <a:endParaRPr lang="en-US" dirty="0">
+              <a:latin typeface="Comic Sans MS" panose="030F0702030302020204" pitchFamily="66" charset="0"/>
+            </a:endParaRPr>
+          </a:p>
+        </p:txBody>
+      </p:sp>
+      <p:sp>
+        <p:nvSpPr>
+          <p:cNvPr id="10" name="TextBox 9"/>
+          <p:cNvSpPr txBox="1"/>
+          <p:nvPr/>
+        </p:nvSpPr>
+        <p:spPr>
+          <a:xfrm>
+            <a:off x="590205" y="4107180"/>
+            <a:ext cx="1522615" cy="646331"/>
+          </a:xfrm>
+          <a:prstGeom prst="rect">
+            <a:avLst/>
+          </a:prstGeom>
+          <a:noFill/>
+        </p:spPr>
+        <p:txBody>
+          <a:bodyPr wrap="square" rtlCol="0">
+            <a:spAutoFit/>
+          </a:bodyPr>
+          <a:lstStyle/>
+          <a:p>
+            <a:r>
+              <a:rPr lang="en-US" dirty="0" smtClean="0">
+                <a:latin typeface="Comic Sans MS" panose="030F0702030302020204" pitchFamily="66" charset="0"/>
+              </a:rPr>
+              <a:t>Resource requests</a:t>
+            </a:r>
+            <a:endParaRPr lang="en-US" dirty="0">
+              <a:latin typeface="Comic Sans MS" panose="030F0702030302020204" pitchFamily="66" charset="0"/>
+            </a:endParaRPr>
+          </a:p>
+        </p:txBody>
+      </p:sp>
+      <p:sp>
+        <p:nvSpPr>
+          <p:cNvPr id="11" name="TextBox 10"/>
+          <p:cNvSpPr txBox="1"/>
+          <p:nvPr/>
+        </p:nvSpPr>
+        <p:spPr>
+          <a:xfrm>
+            <a:off x="6762404" y="4007559"/>
+            <a:ext cx="5092240" cy="1323439"/>
+          </a:xfrm>
+          <a:prstGeom prst="rect">
+            <a:avLst/>
+          </a:prstGeom>
+          <a:noFill/>
+        </p:spPr>
+        <p:txBody>
+          <a:bodyPr wrap="square" rtlCol="0">
+            <a:spAutoFit/>
+          </a:bodyPr>
+          <a:lstStyle/>
+          <a:p>
+            <a:r>
+              <a:rPr lang="en-US" sz="2000" dirty="0">
+                <a:latin typeface="Comic Sans MS" panose="030F0702030302020204" pitchFamily="66" charset="0"/>
+              </a:rPr>
+              <a:t>Push resources: Master offers resources to Scheduler; Scheduler choose to accept or not.</a:t>
+            </a:r>
+          </a:p>
+          <a:p>
+            <a:endParaRPr lang="en-US" sz="2000" dirty="0"/>
+          </a:p>
+        </p:txBody>
+      </p:sp>
+      <p:sp>
+        <p:nvSpPr>
+          <p:cNvPr id="12" name="TextBox 11"/>
+          <p:cNvSpPr txBox="1"/>
+          <p:nvPr/>
+        </p:nvSpPr>
+        <p:spPr>
+          <a:xfrm>
+            <a:off x="6762404" y="3055708"/>
+            <a:ext cx="5181600" cy="984885"/>
+          </a:xfrm>
+          <a:prstGeom prst="rect">
+            <a:avLst/>
+          </a:prstGeom>
+          <a:noFill/>
+        </p:spPr>
+        <p:txBody>
+          <a:bodyPr wrap="square" rtlCol="0">
+            <a:spAutoFit/>
+          </a:bodyPr>
+          <a:lstStyle/>
+          <a:p>
+            <a:r>
+              <a:rPr lang="en-US" sz="2000" dirty="0">
+                <a:latin typeface="Comic Sans MS" panose="030F0702030302020204" pitchFamily="66" charset="0"/>
+              </a:rPr>
+              <a:t>Meta-scheduler in master and schedulers in each job</a:t>
+            </a:r>
+          </a:p>
+          <a:p>
+            <a:endParaRPr lang="en-US" dirty="0"/>
+          </a:p>
+        </p:txBody>
+      </p:sp>
+      <p:sp>
+        <p:nvSpPr>
+          <p:cNvPr id="13" name="TextBox 12"/>
+          <p:cNvSpPr txBox="1"/>
+          <p:nvPr/>
+        </p:nvSpPr>
+        <p:spPr>
+          <a:xfrm>
+            <a:off x="2506980" y="3203879"/>
+            <a:ext cx="3603872" cy="400110"/>
+          </a:xfrm>
+          <a:prstGeom prst="rect">
+            <a:avLst/>
+          </a:prstGeom>
+          <a:noFill/>
+        </p:spPr>
+        <p:txBody>
+          <a:bodyPr wrap="none" rtlCol="0">
+            <a:spAutoFit/>
+          </a:bodyPr>
+          <a:lstStyle/>
+          <a:p>
+            <a:r>
+              <a:rPr lang="en-US" altLang="zh-CN" sz="2000" dirty="0">
+                <a:latin typeface="Comic Sans MS" panose="030F0702030302020204" pitchFamily="66" charset="0"/>
+              </a:rPr>
+              <a:t>Centralized Scheduler in </a:t>
+            </a:r>
+            <a:r>
+              <a:rPr lang="en-US" altLang="zh-CN" sz="2000" dirty="0" smtClean="0">
+                <a:latin typeface="Comic Sans MS" panose="030F0702030302020204" pitchFamily="66" charset="0"/>
+              </a:rPr>
+              <a:t>RM</a:t>
+            </a:r>
+            <a:endParaRPr lang="en-US" altLang="zh-CN" sz="2000" dirty="0">
+              <a:latin typeface="Comic Sans MS" panose="030F0702030302020204" pitchFamily="66" charset="0"/>
+            </a:endParaRPr>
+          </a:p>
+        </p:txBody>
+      </p:sp>
+      <p:sp>
+        <p:nvSpPr>
+          <p:cNvPr id="14" name="TextBox 13"/>
+          <p:cNvSpPr txBox="1"/>
+          <p:nvPr/>
+        </p:nvSpPr>
+        <p:spPr>
+          <a:xfrm>
+            <a:off x="2506980" y="4040593"/>
+            <a:ext cx="4089862" cy="1015663"/>
+          </a:xfrm>
+          <a:prstGeom prst="rect">
+            <a:avLst/>
+          </a:prstGeom>
+          <a:noFill/>
+        </p:spPr>
+        <p:txBody>
+          <a:bodyPr wrap="square" rtlCol="0">
+            <a:spAutoFit/>
+          </a:bodyPr>
+          <a:lstStyle/>
+          <a:p>
+            <a:r>
+              <a:rPr lang="en-US" altLang="zh-CN" sz="2000" dirty="0">
+                <a:latin typeface="Comic Sans MS" panose="030F0702030302020204" pitchFamily="66" charset="0"/>
+              </a:rPr>
+              <a:t>Pull resources: AM requests resources from RM; RM choose to give resources or </a:t>
+            </a:r>
+            <a:r>
+              <a:rPr lang="en-US" altLang="zh-CN" sz="2000" dirty="0" smtClean="0">
+                <a:latin typeface="Comic Sans MS" panose="030F0702030302020204" pitchFamily="66" charset="0"/>
+              </a:rPr>
+              <a:t>not</a:t>
+            </a:r>
+            <a:endParaRPr lang="en-US" altLang="zh-CN" sz="2000" dirty="0">
+              <a:latin typeface="Comic Sans MS" panose="030F0702030302020204" pitchFamily="66" charset="0"/>
+            </a:endParaRPr>
+          </a:p>
+        </p:txBody>
+      </p:sp>
+      <p:sp>
+        <p:nvSpPr>
+          <p:cNvPr id="17" name="TextBox 16"/>
+          <p:cNvSpPr txBox="1"/>
+          <p:nvPr/>
+        </p:nvSpPr>
+        <p:spPr>
+          <a:xfrm>
+            <a:off x="590204" y="5625890"/>
+            <a:ext cx="1522615" cy="369332"/>
+          </a:xfrm>
+          <a:prstGeom prst="rect">
+            <a:avLst/>
+          </a:prstGeom>
+          <a:noFill/>
+        </p:spPr>
+        <p:txBody>
+          <a:bodyPr wrap="square" rtlCol="0">
+            <a:spAutoFit/>
+          </a:bodyPr>
+          <a:lstStyle/>
+          <a:p>
+            <a:r>
+              <a:rPr lang="en-US" dirty="0" smtClean="0">
+                <a:latin typeface="Comic Sans MS" panose="030F0702030302020204" pitchFamily="66" charset="0"/>
+              </a:rPr>
+              <a:t>Framework</a:t>
+            </a:r>
+            <a:endParaRPr lang="en-US" dirty="0">
+              <a:latin typeface="Comic Sans MS" panose="030F0702030302020204" pitchFamily="66" charset="0"/>
+            </a:endParaRPr>
+          </a:p>
+        </p:txBody>
+      </p:sp>
+      <p:sp>
+        <p:nvSpPr>
+          <p:cNvPr id="18" name="TextBox 17"/>
+          <p:cNvSpPr txBox="1"/>
+          <p:nvPr/>
+        </p:nvSpPr>
+        <p:spPr>
+          <a:xfrm>
+            <a:off x="2506980" y="5492860"/>
+            <a:ext cx="3777442" cy="707886"/>
+          </a:xfrm>
+          <a:prstGeom prst="rect">
+            <a:avLst/>
+          </a:prstGeom>
+          <a:noFill/>
+        </p:spPr>
+        <p:txBody>
+          <a:bodyPr wrap="square" rtlCol="0">
+            <a:spAutoFit/>
+          </a:bodyPr>
+          <a:lstStyle/>
+          <a:p>
+            <a:r>
+              <a:rPr lang="en-US" sz="2000" dirty="0" smtClean="0">
+                <a:latin typeface="Comic Sans MS" panose="030F0702030302020204" pitchFamily="66" charset="0"/>
+              </a:rPr>
+              <a:t>Individual framework to run applications</a:t>
+            </a:r>
+            <a:endParaRPr lang="en-US" sz="2000" dirty="0">
+              <a:latin typeface="Comic Sans MS" panose="030F0702030302020204" pitchFamily="66" charset="0"/>
+            </a:endParaRPr>
+          </a:p>
+        </p:txBody>
+      </p:sp>
+      <p:sp>
+        <p:nvSpPr>
+          <p:cNvPr id="19" name="TextBox 18"/>
+          <p:cNvSpPr txBox="1"/>
+          <p:nvPr/>
+        </p:nvSpPr>
+        <p:spPr>
+          <a:xfrm>
+            <a:off x="6762404" y="5456613"/>
+            <a:ext cx="4468091" cy="1015663"/>
+          </a:xfrm>
+          <a:prstGeom prst="rect">
+            <a:avLst/>
+          </a:prstGeom>
+          <a:noFill/>
+        </p:spPr>
+        <p:txBody>
+          <a:bodyPr wrap="square" rtlCol="0">
+            <a:spAutoFit/>
+          </a:bodyPr>
+          <a:lstStyle/>
+          <a:p>
+            <a:r>
+              <a:rPr lang="en-US" sz="2000" dirty="0" smtClean="0">
+                <a:latin typeface="Comic Sans MS" panose="030F0702030302020204" pitchFamily="66" charset="0"/>
+              </a:rPr>
+              <a:t>Compatible with multiple frameworks, but can’t run application on its own</a:t>
+            </a:r>
+            <a:endParaRPr lang="en-US" sz="2000" dirty="0">
+              <a:latin typeface="Comic Sans MS" panose="030F0702030302020204" pitchFamily="66" charset="0"/>
+            </a:endParaRPr>
+          </a:p>
+        </p:txBody>
+      </p:sp>
+    </p:spTree>
+    <p:extLst>
+      <p:ext uri="{BB962C8B-B14F-4D97-AF65-F5344CB8AC3E}">
+        <p14:creationId xmlns:p14="http://schemas.microsoft.com/office/powerpoint/2010/main" val="1333130957"/>
+      </p:ext>
+    </p:extLst>
+  </p:cSld>
+  <p:clrMapOvr>
+    <a:masterClrMapping/>
+  </p:clrMapOvr>
+</p:sld>
+</file>
+
+<file path=ppt/slides/slide28.xml><?xml version="1.0" encoding="utf-8"?>
 <p:sld xmlns:a="http://schemas.openxmlformats.org/drawingml/2006/main" xmlns:r="http://schemas.openxmlformats.org/officeDocument/2006/relationships" xmlns:p="http://schemas.openxmlformats.org/presentationml/2006/main">
   <p:cSld>
     <p:spTree>
